--- a/android/final/image/2/演示文稿1.pptx
+++ b/android/final/image/2/演示文稿1.pptx
@@ -6,6 +6,7 @@
   </p:sldMasterIdLst>
   <p:sldIdLst>
     <p:sldId id="256" r:id="rId2"/>
+    <p:sldId id="257" r:id="rId3"/>
   </p:sldIdLst>
   <p:sldSz cx="12192000" cy="6858000"/>
   <p:notesSz cx="6858000" cy="9144000"/>
@@ -5164,10 +5165,382 @@
           </a:fontRef>
         </p:style>
       </p:cxnSp>
+      <p:sp>
+        <p:nvSpPr>
+          <p:cNvPr id="82" name="文本框 81">
+            <a:extLst>
+              <a:ext uri="{FF2B5EF4-FFF2-40B4-BE49-F238E27FC236}">
+                <a16:creationId xmlns:a16="http://schemas.microsoft.com/office/drawing/2014/main" id="{2E19CCAE-14D6-4D49-8331-A0795321244D}"/>
+              </a:ext>
+            </a:extLst>
+          </p:cNvPr>
+          <p:cNvSpPr txBox="1"/>
+          <p:nvPr/>
+        </p:nvSpPr>
+        <p:spPr>
+          <a:xfrm>
+            <a:off x="1558579" y="5586527"/>
+            <a:ext cx="758541" cy="253916"/>
+          </a:xfrm>
+          <a:prstGeom prst="rect">
+            <a:avLst/>
+          </a:prstGeom>
+          <a:noFill/>
+        </p:spPr>
+        <p:txBody>
+          <a:bodyPr wrap="none" rtlCol="0">
+            <a:spAutoFit/>
+          </a:bodyPr>
+          <a:lstStyle/>
+          <a:p>
+            <a:r>
+              <a:rPr kumimoji="1" lang="en-US" altLang="zh-CN" sz="1050" dirty="0">
+                <a:latin typeface="Times New Roman" panose="02020603050405020304" pitchFamily="18" charset="0"/>
+                <a:cs typeface="Times New Roman" panose="02020603050405020304" pitchFamily="18" charset="0"/>
+              </a:rPr>
+              <a:t>jthrowable</a:t>
+            </a:r>
+            <a:endParaRPr kumimoji="1" lang="zh-CN" altLang="en-US" sz="1050" dirty="0">
+              <a:latin typeface="Times New Roman" panose="02020603050405020304" pitchFamily="18" charset="0"/>
+              <a:cs typeface="Times New Roman" panose="02020603050405020304" pitchFamily="18" charset="0"/>
+            </a:endParaRPr>
+          </a:p>
+        </p:txBody>
+      </p:sp>
+      <p:sp>
+        <p:nvSpPr>
+          <p:cNvPr id="83" name="文本框 82">
+            <a:extLst>
+              <a:ext uri="{FF2B5EF4-FFF2-40B4-BE49-F238E27FC236}">
+                <a16:creationId xmlns:a16="http://schemas.microsoft.com/office/drawing/2014/main" id="{46457EC5-BE78-924F-B67B-F469A99B2659}"/>
+              </a:ext>
+            </a:extLst>
+          </p:cNvPr>
+          <p:cNvSpPr txBox="1"/>
+          <p:nvPr/>
+        </p:nvSpPr>
+        <p:spPr>
+          <a:xfrm>
+            <a:off x="3642734" y="5586527"/>
+            <a:ext cx="1648208" cy="253916"/>
+          </a:xfrm>
+          <a:prstGeom prst="rect">
+            <a:avLst/>
+          </a:prstGeom>
+          <a:noFill/>
+        </p:spPr>
+        <p:txBody>
+          <a:bodyPr wrap="none" rtlCol="0">
+            <a:spAutoFit/>
+          </a:bodyPr>
+          <a:lstStyle/>
+          <a:p>
+            <a:r>
+              <a:rPr kumimoji="1" lang="en-US" altLang="zh-CN" sz="1050" dirty="0">
+                <a:latin typeface="Times New Roman" panose="02020603050405020304" pitchFamily="18" charset="0"/>
+                <a:cs typeface="Times New Roman" panose="02020603050405020304" pitchFamily="18" charset="0"/>
+              </a:rPr>
+              <a:t>java.lang.Throwable object</a:t>
+            </a:r>
+            <a:endParaRPr kumimoji="1" lang="zh-CN" altLang="en-US" sz="1050" dirty="0">
+              <a:latin typeface="Times New Roman" panose="02020603050405020304" pitchFamily="18" charset="0"/>
+              <a:cs typeface="Times New Roman" panose="02020603050405020304" pitchFamily="18" charset="0"/>
+            </a:endParaRPr>
+          </a:p>
+        </p:txBody>
+      </p:sp>
+      <p:cxnSp>
+        <p:nvCxnSpPr>
+          <p:cNvPr id="85" name="直线连接符 84">
+            <a:extLst>
+              <a:ext uri="{FF2B5EF4-FFF2-40B4-BE49-F238E27FC236}">
+                <a16:creationId xmlns:a16="http://schemas.microsoft.com/office/drawing/2014/main" id="{73DDDD06-E989-8148-A35D-57C5DFB2D560}"/>
+              </a:ext>
+            </a:extLst>
+          </p:cNvPr>
+          <p:cNvCxnSpPr/>
+          <p:nvPr/>
+        </p:nvCxnSpPr>
+        <p:spPr>
+          <a:xfrm>
+            <a:off x="1336812" y="2025677"/>
+            <a:ext cx="0" cy="3687808"/>
+          </a:xfrm>
+          <a:prstGeom prst="line">
+            <a:avLst/>
+          </a:prstGeom>
+        </p:spPr>
+        <p:style>
+          <a:lnRef idx="1">
+            <a:schemeClr val="accent1"/>
+          </a:lnRef>
+          <a:fillRef idx="0">
+            <a:schemeClr val="accent1"/>
+          </a:fillRef>
+          <a:effectRef idx="0">
+            <a:schemeClr val="accent1"/>
+          </a:effectRef>
+          <a:fontRef idx="minor">
+            <a:schemeClr val="tx1"/>
+          </a:fontRef>
+        </p:style>
+      </p:cxnSp>
+      <p:cxnSp>
+        <p:nvCxnSpPr>
+          <p:cNvPr id="87" name="直线连接符 86">
+            <a:extLst>
+              <a:ext uri="{FF2B5EF4-FFF2-40B4-BE49-F238E27FC236}">
+                <a16:creationId xmlns:a16="http://schemas.microsoft.com/office/drawing/2014/main" id="{10D6E3C6-2C49-5F42-93B2-4D1DF1EE1142}"/>
+              </a:ext>
+            </a:extLst>
+          </p:cNvPr>
+          <p:cNvCxnSpPr>
+            <a:endCxn id="82" idx="1"/>
+          </p:cNvCxnSpPr>
+          <p:nvPr/>
+        </p:nvCxnSpPr>
+        <p:spPr>
+          <a:xfrm>
+            <a:off x="1336812" y="5713485"/>
+            <a:ext cx="221767" cy="0"/>
+          </a:xfrm>
+          <a:prstGeom prst="line">
+            <a:avLst/>
+          </a:prstGeom>
+        </p:spPr>
+        <p:style>
+          <a:lnRef idx="1">
+            <a:schemeClr val="accent1"/>
+          </a:lnRef>
+          <a:fillRef idx="0">
+            <a:schemeClr val="accent1"/>
+          </a:fillRef>
+          <a:effectRef idx="0">
+            <a:schemeClr val="accent1"/>
+          </a:effectRef>
+          <a:fontRef idx="minor">
+            <a:schemeClr val="tx1"/>
+          </a:fontRef>
+        </p:style>
+      </p:cxnSp>
+      <p:cxnSp>
+        <p:nvCxnSpPr>
+          <p:cNvPr id="89" name="直线连接符 88">
+            <a:extLst>
+              <a:ext uri="{FF2B5EF4-FFF2-40B4-BE49-F238E27FC236}">
+                <a16:creationId xmlns:a16="http://schemas.microsoft.com/office/drawing/2014/main" id="{04B5EC0C-B014-4941-81AD-6B199A97360F}"/>
+              </a:ext>
+            </a:extLst>
+          </p:cNvPr>
+          <p:cNvCxnSpPr>
+            <a:stCxn id="82" idx="3"/>
+            <a:endCxn id="83" idx="1"/>
+          </p:cNvCxnSpPr>
+          <p:nvPr/>
+        </p:nvCxnSpPr>
+        <p:spPr>
+          <a:xfrm>
+            <a:off x="2317120" y="5713485"/>
+            <a:ext cx="1325614" cy="0"/>
+          </a:xfrm>
+          <a:prstGeom prst="line">
+            <a:avLst/>
+          </a:prstGeom>
+        </p:spPr>
+        <p:style>
+          <a:lnRef idx="1">
+            <a:schemeClr val="accent1"/>
+          </a:lnRef>
+          <a:fillRef idx="0">
+            <a:schemeClr val="accent1"/>
+          </a:fillRef>
+          <a:effectRef idx="0">
+            <a:schemeClr val="accent1"/>
+          </a:effectRef>
+          <a:fontRef idx="minor">
+            <a:schemeClr val="tx1"/>
+          </a:fontRef>
+        </p:style>
+      </p:cxnSp>
     </p:spTree>
     <p:extLst>
       <p:ext uri="{BB962C8B-B14F-4D97-AF65-F5344CB8AC3E}">
         <p14:creationId xmlns:p14="http://schemas.microsoft.com/office/powerpoint/2010/main" val="2594197338"/>
+      </p:ext>
+    </p:extLst>
+  </p:cSld>
+  <p:clrMapOvr>
+    <a:masterClrMapping/>
+  </p:clrMapOvr>
+</p:sld>
+</file>
+
+<file path=ppt/slides/slide2.xml><?xml version="1.0" encoding="utf-8"?>
+<p:sld xmlns:a="http://schemas.openxmlformats.org/drawingml/2006/main" xmlns:r="http://schemas.openxmlformats.org/officeDocument/2006/relationships" xmlns:p="http://schemas.openxmlformats.org/presentationml/2006/main">
+  <p:cSld>
+    <p:spTree>
+      <p:nvGrpSpPr>
+        <p:cNvPr id="1" name=""/>
+        <p:cNvGrpSpPr/>
+        <p:nvPr/>
+      </p:nvGrpSpPr>
+      <p:grpSpPr>
+        <a:xfrm>
+          <a:off x="0" y="0"/>
+          <a:ext cx="0" cy="0"/>
+          <a:chOff x="0" y="0"/>
+          <a:chExt cx="0" cy="0"/>
+        </a:xfrm>
+      </p:grpSpPr>
+      <p:pic>
+        <p:nvPicPr>
+          <p:cNvPr id="5" name="图片 4">
+            <a:extLst>
+              <a:ext uri="{FF2B5EF4-FFF2-40B4-BE49-F238E27FC236}">
+                <a16:creationId xmlns:a16="http://schemas.microsoft.com/office/drawing/2014/main" id="{69CFBDEA-E897-2949-932C-4EFCFA000CFC}"/>
+              </a:ext>
+            </a:extLst>
+          </p:cNvPr>
+          <p:cNvPicPr>
+            <a:picLocks noChangeAspect="1"/>
+          </p:cNvPicPr>
+          <p:nvPr/>
+        </p:nvPicPr>
+        <p:blipFill>
+          <a:blip r:embed="rId2"/>
+          <a:stretch>
+            <a:fillRect/>
+          </a:stretch>
+        </p:blipFill>
+        <p:spPr>
+          <a:xfrm>
+            <a:off x="2104707" y="343040"/>
+            <a:ext cx="2544525" cy="4523600"/>
+          </a:xfrm>
+          <a:prstGeom prst="rect">
+            <a:avLst/>
+          </a:prstGeom>
+        </p:spPr>
+      </p:pic>
+      <p:pic>
+        <p:nvPicPr>
+          <p:cNvPr id="7" name="图片 6">
+            <a:extLst>
+              <a:ext uri="{FF2B5EF4-FFF2-40B4-BE49-F238E27FC236}">
+                <a16:creationId xmlns:a16="http://schemas.microsoft.com/office/drawing/2014/main" id="{8CCC277C-A811-2D47-A63C-88597F56F446}"/>
+              </a:ext>
+            </a:extLst>
+          </p:cNvPr>
+          <p:cNvPicPr>
+            <a:picLocks noChangeAspect="1"/>
+          </p:cNvPicPr>
+          <p:nvPr/>
+        </p:nvPicPr>
+        <p:blipFill>
+          <a:blip r:embed="rId3"/>
+          <a:stretch>
+            <a:fillRect/>
+          </a:stretch>
+        </p:blipFill>
+        <p:spPr>
+          <a:xfrm>
+            <a:off x="5851347" y="343040"/>
+            <a:ext cx="2544525" cy="4523600"/>
+          </a:xfrm>
+          <a:prstGeom prst="rect">
+            <a:avLst/>
+          </a:prstGeom>
+        </p:spPr>
+      </p:pic>
+      <p:sp>
+        <p:nvSpPr>
+          <p:cNvPr id="8" name="矩形 7">
+            <a:extLst>
+              <a:ext uri="{FF2B5EF4-FFF2-40B4-BE49-F238E27FC236}">
+                <a16:creationId xmlns:a16="http://schemas.microsoft.com/office/drawing/2014/main" id="{6DD3A767-B9E6-2749-9019-72EDE4B704DC}"/>
+              </a:ext>
+            </a:extLst>
+          </p:cNvPr>
+          <p:cNvSpPr/>
+          <p:nvPr/>
+        </p:nvSpPr>
+        <p:spPr>
+          <a:xfrm>
+            <a:off x="1950720" y="4226560"/>
+            <a:ext cx="6604000" cy="304800"/>
+          </a:xfrm>
+          <a:prstGeom prst="rect">
+            <a:avLst/>
+          </a:prstGeom>
+          <a:noFill/>
+        </p:spPr>
+        <p:style>
+          <a:lnRef idx="2">
+            <a:schemeClr val="accent1">
+              <a:shade val="50000"/>
+            </a:schemeClr>
+          </a:lnRef>
+          <a:fillRef idx="1">
+            <a:schemeClr val="accent1"/>
+          </a:fillRef>
+          <a:effectRef idx="0">
+            <a:schemeClr val="accent1"/>
+          </a:effectRef>
+          <a:fontRef idx="minor">
+            <a:schemeClr val="lt1"/>
+          </a:fontRef>
+        </p:style>
+        <p:txBody>
+          <a:bodyPr rtlCol="0" anchor="ctr"/>
+          <a:lstStyle/>
+          <a:p>
+            <a:pPr algn="ctr"/>
+            <a:endParaRPr kumimoji="1" lang="zh-CN" altLang="en-US"/>
+          </a:p>
+        </p:txBody>
+      </p:sp>
+      <p:sp>
+        <p:nvSpPr>
+          <p:cNvPr id="9" name="文本框 8">
+            <a:extLst>
+              <a:ext uri="{FF2B5EF4-FFF2-40B4-BE49-F238E27FC236}">
+                <a16:creationId xmlns:a16="http://schemas.microsoft.com/office/drawing/2014/main" id="{F5351BF8-CED7-2444-A040-904334D9FE76}"/>
+              </a:ext>
+            </a:extLst>
+          </p:cNvPr>
+          <p:cNvSpPr txBox="1"/>
+          <p:nvPr/>
+        </p:nvSpPr>
+        <p:spPr>
+          <a:xfrm>
+            <a:off x="4823756" y="4277444"/>
+            <a:ext cx="857927" cy="253916"/>
+          </a:xfrm>
+          <a:prstGeom prst="rect">
+            <a:avLst/>
+          </a:prstGeom>
+          <a:noFill/>
+        </p:spPr>
+        <p:txBody>
+          <a:bodyPr wrap="none" rtlCol="0">
+            <a:spAutoFit/>
+          </a:bodyPr>
+          <a:lstStyle/>
+          <a:p>
+            <a:r>
+              <a:rPr kumimoji="1" lang="zh-CN" altLang="en-US" sz="1050" dirty="0">
+                <a:latin typeface="Songti SC" panose="02010600040101010101" pitchFamily="2" charset="-122"/>
+                <a:ea typeface="Songti SC" panose="02010600040101010101" pitchFamily="2" charset="-122"/>
+              </a:rPr>
+              <a:t>主编辑界面</a:t>
+            </a:r>
+          </a:p>
+        </p:txBody>
+      </p:sp>
+    </p:spTree>
+    <p:extLst>
+      <p:ext uri="{BB962C8B-B14F-4D97-AF65-F5344CB8AC3E}">
+        <p14:creationId xmlns:p14="http://schemas.microsoft.com/office/powerpoint/2010/main" val="3974491859"/>
       </p:ext>
     </p:extLst>
   </p:cSld>
